--- a/images/posts/2025-07-02-blog-post/新建 Microsoft PowerPoint 演示文稿.pptx
+++ b/images/posts/2025-07-02-blog-post/新建 Microsoft PowerPoint 演示文稿.pptx
@@ -107,6 +107,11 @@
       </a:defRPr>
     </a:lvl9pPr>
   </p:defaultTextStyle>
+  <p:extLst>
+    <p:ext uri="{EFAFB233-063F-42B5-8137-9DF3F51BA10A}">
+      <p15:sldGuideLst xmlns:p15="http://schemas.microsoft.com/office/powerpoint/2012/main"/>
+    </p:ext>
+  </p:extLst>
 </p:presentation>
 </file>
 
@@ -690,7 +695,7 @@
           <a:p>
             <a:fld id="{B62B41C1-BAA6-4120-BEAB-789D04ED3CE7}" type="datetimeFigureOut">
               <a:rPr lang="zh-CN" altLang="en-US" smtClean="0"/>
-              <a:t>2025/8/29</a:t>
+              <a:t>2025/8/30</a:t>
             </a:fld>
             <a:endParaRPr lang="zh-CN" altLang="en-US"/>
           </a:p>
@@ -888,7 +893,7 @@
           <a:p>
             <a:fld id="{B62B41C1-BAA6-4120-BEAB-789D04ED3CE7}" type="datetimeFigureOut">
               <a:rPr lang="zh-CN" altLang="en-US" smtClean="0"/>
-              <a:t>2025/8/29</a:t>
+              <a:t>2025/8/30</a:t>
             </a:fld>
             <a:endParaRPr lang="zh-CN" altLang="en-US"/>
           </a:p>
@@ -1096,7 +1101,7 @@
           <a:p>
             <a:fld id="{B62B41C1-BAA6-4120-BEAB-789D04ED3CE7}" type="datetimeFigureOut">
               <a:rPr lang="zh-CN" altLang="en-US" smtClean="0"/>
-              <a:t>2025/8/29</a:t>
+              <a:t>2025/8/30</a:t>
             </a:fld>
             <a:endParaRPr lang="zh-CN" altLang="en-US"/>
           </a:p>
@@ -1294,7 +1299,7 @@
           <a:p>
             <a:fld id="{B62B41C1-BAA6-4120-BEAB-789D04ED3CE7}" type="datetimeFigureOut">
               <a:rPr lang="zh-CN" altLang="en-US" smtClean="0"/>
-              <a:t>2025/8/29</a:t>
+              <a:t>2025/8/30</a:t>
             </a:fld>
             <a:endParaRPr lang="zh-CN" altLang="en-US"/>
           </a:p>
@@ -1569,7 +1574,7 @@
           <a:p>
             <a:fld id="{B62B41C1-BAA6-4120-BEAB-789D04ED3CE7}" type="datetimeFigureOut">
               <a:rPr lang="zh-CN" altLang="en-US" smtClean="0"/>
-              <a:t>2025/8/29</a:t>
+              <a:t>2025/8/30</a:t>
             </a:fld>
             <a:endParaRPr lang="zh-CN" altLang="en-US"/>
           </a:p>
@@ -1834,7 +1839,7 @@
           <a:p>
             <a:fld id="{B62B41C1-BAA6-4120-BEAB-789D04ED3CE7}" type="datetimeFigureOut">
               <a:rPr lang="zh-CN" altLang="en-US" smtClean="0"/>
-              <a:t>2025/8/29</a:t>
+              <a:t>2025/8/30</a:t>
             </a:fld>
             <a:endParaRPr lang="zh-CN" altLang="en-US"/>
           </a:p>
@@ -2246,7 +2251,7 @@
           <a:p>
             <a:fld id="{B62B41C1-BAA6-4120-BEAB-789D04ED3CE7}" type="datetimeFigureOut">
               <a:rPr lang="zh-CN" altLang="en-US" smtClean="0"/>
-              <a:t>2025/8/29</a:t>
+              <a:t>2025/8/30</a:t>
             </a:fld>
             <a:endParaRPr lang="zh-CN" altLang="en-US"/>
           </a:p>
@@ -2387,7 +2392,7 @@
           <a:p>
             <a:fld id="{B62B41C1-BAA6-4120-BEAB-789D04ED3CE7}" type="datetimeFigureOut">
               <a:rPr lang="zh-CN" altLang="en-US" smtClean="0"/>
-              <a:t>2025/8/29</a:t>
+              <a:t>2025/8/30</a:t>
             </a:fld>
             <a:endParaRPr lang="zh-CN" altLang="en-US"/>
           </a:p>
@@ -2500,7 +2505,7 @@
           <a:p>
             <a:fld id="{B62B41C1-BAA6-4120-BEAB-789D04ED3CE7}" type="datetimeFigureOut">
               <a:rPr lang="zh-CN" altLang="en-US" smtClean="0"/>
-              <a:t>2025/8/29</a:t>
+              <a:t>2025/8/30</a:t>
             </a:fld>
             <a:endParaRPr lang="zh-CN" altLang="en-US"/>
           </a:p>
@@ -2811,7 +2816,7 @@
           <a:p>
             <a:fld id="{B62B41C1-BAA6-4120-BEAB-789D04ED3CE7}" type="datetimeFigureOut">
               <a:rPr lang="zh-CN" altLang="en-US" smtClean="0"/>
-              <a:t>2025/8/29</a:t>
+              <a:t>2025/8/30</a:t>
             </a:fld>
             <a:endParaRPr lang="zh-CN" altLang="en-US"/>
           </a:p>
@@ -3099,7 +3104,7 @@
           <a:p>
             <a:fld id="{B62B41C1-BAA6-4120-BEAB-789D04ED3CE7}" type="datetimeFigureOut">
               <a:rPr lang="zh-CN" altLang="en-US" smtClean="0"/>
-              <a:t>2025/8/29</a:t>
+              <a:t>2025/8/30</a:t>
             </a:fld>
             <a:endParaRPr lang="zh-CN" altLang="en-US"/>
           </a:p>
@@ -3340,7 +3345,7 @@
           <a:p>
             <a:fld id="{B62B41C1-BAA6-4120-BEAB-789D04ED3CE7}" type="datetimeFigureOut">
               <a:rPr lang="zh-CN" altLang="en-US" smtClean="0"/>
-              <a:t>2025/8/29</a:t>
+              <a:t>2025/8/30</a:t>
             </a:fld>
             <a:endParaRPr lang="zh-CN" altLang="en-US"/>
           </a:p>
@@ -3845,8 +3850,8 @@
         </p:nvSpPr>
         <p:spPr>
           <a:xfrm>
-            <a:off x="10591800" y="948603"/>
-            <a:ext cx="877163" cy="369332"/>
+            <a:off x="10591800" y="979661"/>
+            <a:ext cx="1150956" cy="338554"/>
           </a:xfrm>
           <a:prstGeom prst="rect">
             <a:avLst/>
@@ -3860,12 +3865,18 @@
           <a:lstStyle/>
           <a:p>
             <a:r>
-              <a:rPr lang="zh-CN" altLang="en-US" dirty="0">
-                <a:latin typeface="微软雅黑" panose="020B0503020204020204" pitchFamily="34" charset="-122"/>
+              <a:rPr lang="en-US" altLang="zh-CN" sz="1600" dirty="0">
+                <a:latin typeface="Times New Roman" panose="02020603050405020304" pitchFamily="18" charset="0"/>
                 <a:ea typeface="微软雅黑" panose="020B0503020204020204" pitchFamily="34" charset="-122"/>
+                <a:cs typeface="Times New Roman" panose="02020603050405020304" pitchFamily="18" charset="0"/>
               </a:rPr>
-              <a:t>向量场</a:t>
-            </a:r>
+              <a:t>Vector field</a:t>
+            </a:r>
+            <a:endParaRPr lang="zh-CN" altLang="en-US" sz="1600" dirty="0">
+              <a:latin typeface="Times New Roman" panose="02020603050405020304" pitchFamily="18" charset="0"/>
+              <a:ea typeface="微软雅黑" panose="020B0503020204020204" pitchFamily="34" charset="-122"/>
+              <a:cs typeface="Times New Roman" panose="02020603050405020304" pitchFamily="18" charset="0"/>
+            </a:endParaRPr>
           </a:p>
         </p:txBody>
       </p:sp>
@@ -3934,8 +3945,8 @@
             </p:nvSpPr>
             <p:spPr>
               <a:xfrm>
-                <a:off x="10857792" y="1783833"/>
-                <a:ext cx="388055" cy="369332"/>
+                <a:off x="11005310" y="1823763"/>
+                <a:ext cx="323935" cy="307777"/>
               </a:xfrm>
               <a:prstGeom prst="rect">
                 <a:avLst/>
@@ -3948,6 +3959,7 @@
               </a:bodyPr>
               <a:lstStyle/>
               <a:p>
+                <a:pPr/>
                 <a14:m>
                   <m:oMathPara xmlns:m="http://schemas.openxmlformats.org/officeDocument/2006/math">
                     <m:oMathParaPr>
@@ -3957,14 +3969,14 @@
                       <m:sSub>
                         <m:sSubPr>
                           <m:ctrlPr>
-                            <a:rPr lang="en-US" altLang="zh-CN" sz="2400" b="0" i="1" smtClean="0">
+                            <a:rPr lang="en-US" altLang="zh-CN" sz="2000" b="0" i="1" smtClean="0">
                               <a:latin typeface="Cambria Math" panose="02040503050406030204" pitchFamily="18" charset="0"/>
                             </a:rPr>
                           </m:ctrlPr>
                         </m:sSubPr>
                         <m:e>
                           <m:r>
-                            <a:rPr lang="en-US" altLang="zh-CN" sz="2400" b="0" i="1" smtClean="0">
+                            <a:rPr lang="en-US" altLang="zh-CN" sz="2000" b="0" i="1" smtClean="0">
                               <a:latin typeface="Cambria Math" panose="02040503050406030204" pitchFamily="18" charset="0"/>
                             </a:rPr>
                             <m:t>𝑥</m:t>
@@ -3972,7 +3984,7 @@
                         </m:e>
                         <m:sub>
                           <m:r>
-                            <a:rPr lang="en-US" altLang="zh-CN" sz="2400" b="0" i="1" smtClean="0">
+                            <a:rPr lang="en-US" altLang="zh-CN" sz="2000" b="0" i="1" smtClean="0">
                               <a:latin typeface="Cambria Math" panose="02040503050406030204" pitchFamily="18" charset="0"/>
                             </a:rPr>
                             <m:t>0</m:t>
@@ -3982,7 +3994,7 @@
                     </m:oMath>
                   </m:oMathPara>
                 </a14:m>
-                <a:endParaRPr lang="zh-CN" altLang="en-US" sz="2400" dirty="0"/>
+                <a:endParaRPr lang="zh-CN" altLang="en-US" sz="2000" dirty="0"/>
               </a:p>
             </p:txBody>
           </p:sp>
@@ -4004,8 +4016,8 @@
             </p:nvSpPr>
             <p:spPr>
               <a:xfrm>
-                <a:off x="10857792" y="1783833"/>
-                <a:ext cx="388055" cy="369332"/>
+                <a:off x="11005310" y="1823763"/>
+                <a:ext cx="323935" cy="307777"/>
               </a:xfrm>
               <a:prstGeom prst="rect">
                 <a:avLst/>
@@ -4013,7 +4025,7 @@
               <a:blipFill>
                 <a:blip r:embed="rId4"/>
                 <a:stretch>
-                  <a:fillRect l="-7813" r="-4688" b="-15000"/>
+                  <a:fillRect l="-7547" r="-3774" b="-13725"/>
                 </a:stretch>
               </a:blipFill>
             </p:spPr>
@@ -4188,8 +4200,8 @@
         </p:nvSpPr>
         <p:spPr>
           <a:xfrm>
-            <a:off x="10545062" y="4484833"/>
-            <a:ext cx="1107996" cy="369332"/>
+            <a:off x="10497766" y="4531972"/>
+            <a:ext cx="1502591" cy="338554"/>
           </a:xfrm>
           <a:prstGeom prst="rect">
             <a:avLst/>
@@ -4203,12 +4215,18 @@
           <a:lstStyle/>
           <a:p>
             <a:r>
-              <a:rPr lang="zh-CN" altLang="en-US" dirty="0">
-                <a:latin typeface="微软雅黑" panose="020B0503020204020204" pitchFamily="34" charset="-122"/>
+              <a:rPr lang="en-US" altLang="zh-CN" sz="1600" dirty="0">
+                <a:latin typeface="Times New Roman" panose="02020603050405020304" pitchFamily="18" charset="0"/>
                 <a:ea typeface="微软雅黑" panose="020B0503020204020204" pitchFamily="34" charset="-122"/>
+                <a:cs typeface="Times New Roman" panose="02020603050405020304" pitchFamily="18" charset="0"/>
               </a:rPr>
-              <a:t>采样轨迹</a:t>
-            </a:r>
+              <a:t>ODE Trajectory</a:t>
+            </a:r>
+            <a:endParaRPr lang="zh-CN" altLang="en-US" sz="1600" dirty="0">
+              <a:latin typeface="Times New Roman" panose="02020603050405020304" pitchFamily="18" charset="0"/>
+              <a:ea typeface="微软雅黑" panose="020B0503020204020204" pitchFamily="34" charset="-122"/>
+              <a:cs typeface="Times New Roman" panose="02020603050405020304" pitchFamily="18" charset="0"/>
+            </a:endParaRPr>
           </a:p>
         </p:txBody>
       </p:sp>
@@ -4228,8 +4246,8 @@
             </p:nvSpPr>
             <p:spPr>
               <a:xfrm>
-                <a:off x="10857792" y="2631969"/>
-                <a:ext cx="380937" cy="369332"/>
+                <a:off x="11011273" y="2681796"/>
+                <a:ext cx="317972" cy="307777"/>
               </a:xfrm>
               <a:prstGeom prst="rect">
                 <a:avLst/>
@@ -4242,6 +4260,7 @@
               </a:bodyPr>
               <a:lstStyle/>
               <a:p>
+                <a:pPr/>
                 <a14:m>
                   <m:oMathPara xmlns:m="http://schemas.openxmlformats.org/officeDocument/2006/math">
                     <m:oMathParaPr>
@@ -4251,14 +4270,14 @@
                       <m:sSub>
                         <m:sSubPr>
                           <m:ctrlPr>
-                            <a:rPr lang="en-US" altLang="zh-CN" sz="2400" b="0" i="1" smtClean="0">
+                            <a:rPr lang="en-US" altLang="zh-CN" sz="2000" b="0" i="1" smtClean="0">
                               <a:latin typeface="Cambria Math" panose="02040503050406030204" pitchFamily="18" charset="0"/>
                             </a:rPr>
                           </m:ctrlPr>
                         </m:sSubPr>
                         <m:e>
                           <m:r>
-                            <a:rPr lang="en-US" altLang="zh-CN" sz="2400" b="0" i="1" smtClean="0">
+                            <a:rPr lang="en-US" altLang="zh-CN" sz="2000" b="0" i="1" smtClean="0">
                               <a:latin typeface="Cambria Math" panose="02040503050406030204" pitchFamily="18" charset="0"/>
                             </a:rPr>
                             <m:t>𝑥</m:t>
@@ -4266,7 +4285,7 @@
                         </m:e>
                         <m:sub>
                           <m:r>
-                            <a:rPr lang="en-US" altLang="zh-CN" sz="2400" b="0" i="1" smtClean="0">
+                            <a:rPr lang="en-US" altLang="zh-CN" sz="2000" b="0" i="1" smtClean="0">
                               <a:latin typeface="Cambria Math" panose="02040503050406030204" pitchFamily="18" charset="0"/>
                             </a:rPr>
                             <m:t>1</m:t>
@@ -4276,7 +4295,7 @@
                     </m:oMath>
                   </m:oMathPara>
                 </a14:m>
-                <a:endParaRPr lang="zh-CN" altLang="en-US" sz="2400" dirty="0"/>
+                <a:endParaRPr lang="zh-CN" altLang="en-US" sz="2000" dirty="0"/>
               </a:p>
             </p:txBody>
           </p:sp>
@@ -4298,8 +4317,8 @@
             </p:nvSpPr>
             <p:spPr>
               <a:xfrm>
-                <a:off x="10857792" y="2631969"/>
-                <a:ext cx="380937" cy="369332"/>
+                <a:off x="11011273" y="2681796"/>
+                <a:ext cx="317972" cy="307777"/>
               </a:xfrm>
               <a:prstGeom prst="rect">
                 <a:avLst/>
@@ -4307,7 +4326,7 @@
               <a:blipFill>
                 <a:blip r:embed="rId5"/>
                 <a:stretch>
-                  <a:fillRect l="-7937" r="-4762" b="-15000"/>
+                  <a:fillRect l="-7692" r="-3846" b="-16000"/>
                 </a:stretch>
               </a:blipFill>
             </p:spPr>
@@ -4342,8 +4361,8 @@
             </p:nvSpPr>
             <p:spPr>
               <a:xfrm>
-                <a:off x="10276130" y="3532753"/>
-                <a:ext cx="1569660" cy="605294"/>
+                <a:off x="10420886" y="3449899"/>
+                <a:ext cx="1492781" cy="707501"/>
               </a:xfrm>
               <a:prstGeom prst="rect">
                 <a:avLst/>
@@ -4358,31 +4377,29 @@
               <a:p>
                 <a:pPr algn="ctr">
                   <a:lnSpc>
-                    <a:spcPts val="2000"/>
+                    <a:spcPts val="2500"/>
+                  </a:lnSpc>
+                </a:pPr>
+                <a:r>
+                  <a:rPr lang="en-US" altLang="zh-CN" dirty="0">
+                    <a:latin typeface="Times New Roman" panose="02020603050405020304" pitchFamily="18" charset="0"/>
+                    <a:ea typeface="微软雅黑" panose="020B0503020204020204" pitchFamily="34" charset="-122"/>
+                    <a:cs typeface="Times New Roman" panose="02020603050405020304" pitchFamily="18" charset="0"/>
+                  </a:rPr>
+                  <a:t>A straight line</a:t>
+                </a:r>
+              </a:p>
+              <a:p>
+                <a:pPr algn="ctr">
+                  <a:lnSpc>
+                    <a:spcPts val="2500"/>
                   </a:lnSpc>
                 </a:pPr>
                 <a:r>
                   <a:rPr lang="zh-CN" altLang="en-US" dirty="0">
-                    <a:latin typeface="微软雅黑" panose="020B0503020204020204" pitchFamily="34" charset="-122"/>
+                    <a:latin typeface="Times New Roman" panose="02020603050405020304" pitchFamily="18" charset="0"/>
                     <a:ea typeface="微软雅黑" panose="020B0503020204020204" pitchFamily="34" charset="-122"/>
-                  </a:rPr>
-                  <a:t>单样本路径对</a:t>
-                </a:r>
-                <a:endParaRPr lang="en-US" altLang="zh-CN" dirty="0">
-                  <a:latin typeface="微软雅黑" panose="020B0503020204020204" pitchFamily="34" charset="-122"/>
-                  <a:ea typeface="微软雅黑" panose="020B0503020204020204" pitchFamily="34" charset="-122"/>
-                </a:endParaRPr>
-              </a:p>
-              <a:p>
-                <a:pPr algn="ctr">
-                  <a:lnSpc>
-                    <a:spcPts val="2000"/>
-                  </a:lnSpc>
-                </a:pPr>
-                <a:r>
-                  <a:rPr lang="zh-CN" altLang="en-US" dirty="0">
-                    <a:latin typeface="微软雅黑" panose="020B0503020204020204" pitchFamily="34" charset="-122"/>
-                    <a:ea typeface="微软雅黑" panose="020B0503020204020204" pitchFamily="34" charset="-122"/>
+                    <a:cs typeface="Times New Roman" panose="02020603050405020304" pitchFamily="18" charset="0"/>
                   </a:rPr>
                   <a:t> </a:t>
                 </a:r>
@@ -4466,8 +4483,9 @@
                   </m:oMath>
                 </a14:m>
                 <a:endParaRPr lang="zh-CN" altLang="en-US" dirty="0">
-                  <a:latin typeface="微软雅黑" panose="020B0503020204020204" pitchFamily="34" charset="-122"/>
+                  <a:latin typeface="Times New Roman" panose="02020603050405020304" pitchFamily="18" charset="0"/>
                   <a:ea typeface="微软雅黑" panose="020B0503020204020204" pitchFamily="34" charset="-122"/>
+                  <a:cs typeface="Times New Roman" panose="02020603050405020304" pitchFamily="18" charset="0"/>
                 </a:endParaRPr>
               </a:p>
             </p:txBody>
@@ -4490,8 +4508,8 @@
             </p:nvSpPr>
             <p:spPr>
               <a:xfrm>
-                <a:off x="10276130" y="3532753"/>
-                <a:ext cx="1569660" cy="605294"/>
+                <a:off x="10420886" y="3449899"/>
+                <a:ext cx="1492781" cy="707501"/>
               </a:xfrm>
               <a:prstGeom prst="rect">
                 <a:avLst/>
@@ -4499,7 +4517,7 @@
               <a:blipFill>
                 <a:blip r:embed="rId6"/>
                 <a:stretch>
-                  <a:fillRect l="-3502" t="-9091" r="-3502"/>
+                  <a:fillRect l="-3265" t="-2586" r="-3265"/>
                 </a:stretch>
               </a:blipFill>
             </p:spPr>
